--- a/test/pptx/footer/basic/output.pptx
+++ b/test/pptx/footer/basic/output.pptx
@@ -520,79 +520,7 @@
             </a:pPr>
             <a:r>
               <a:rPr/>
-              <a:t>This</a:t>
-            </a:r>
-            <a:r>
-              <a:rPr/>
-              <a:t> </a:t>
-            </a:r>
-            <a:r>
-              <a:rPr/>
-              <a:t>is</a:t>
-            </a:r>
-            <a:r>
-              <a:rPr/>
-              <a:t> </a:t>
-            </a:r>
-            <a:r>
-              <a:rPr/>
-              <a:t>a</a:t>
-            </a:r>
-            <a:r>
-              <a:rPr/>
-              <a:t> </a:t>
-            </a:r>
-            <a:r>
-              <a:rPr/>
-              <a:t>blank</a:t>
-            </a:r>
-            <a:r>
-              <a:rPr/>
-              <a:t> </a:t>
-            </a:r>
-            <a:r>
-              <a:rPr/>
-              <a:t>slide:</a:t>
-            </a:r>
-            <a:r>
-              <a:rPr/>
-              <a:t> </a:t>
-            </a:r>
-            <a:r>
-              <a:rPr/>
-              <a:t>does</a:t>
-            </a:r>
-            <a:r>
-              <a:rPr/>
-              <a:t> </a:t>
-            </a:r>
-            <a:r>
-              <a:rPr/>
-              <a:t>it</a:t>
-            </a:r>
-            <a:r>
-              <a:rPr/>
-              <a:t> </a:t>
-            </a:r>
-            <a:r>
-              <a:rPr/>
-              <a:t>have</a:t>
-            </a:r>
-            <a:r>
-              <a:rPr/>
-              <a:t> </a:t>
-            </a:r>
-            <a:r>
-              <a:rPr/>
-              <a:t>a</a:t>
-            </a:r>
-            <a:r>
-              <a:rPr/>
-              <a:t> </a:t>
-            </a:r>
-            <a:r>
-              <a:rPr/>
-              <a:t>footer?</a:t>
+              <a:t>This is a blank slide: does it have a footer?</a:t>
             </a:r>
           </a:p>
         </p:txBody>
@@ -6488,15 +6416,7 @@
             </a:pPr>
             <a:r>
               <a:rPr/>
-              <a:t>Slide</a:t>
-            </a:r>
-            <a:r>
-              <a:rPr/>
-              <a:t> </a:t>
-            </a:r>
-            <a:r>
-              <a:rPr/>
-              <a:t>1</a:t>
+              <a:t>Slide 1</a:t>
             </a:r>
           </a:p>
         </p:txBody>
@@ -6763,15 +6683,7 @@
             </a:pPr>
             <a:r>
               <a:rPr/>
-              <a:t>Slide</a:t>
-            </a:r>
-            <a:r>
-              <a:rPr/>
-              <a:t> </a:t>
-            </a:r>
-            <a:r>
-              <a:rPr/>
-              <a:t>3</a:t>
+              <a:t>Slide 3</a:t>
             </a:r>
           </a:p>
         </p:txBody>
@@ -6972,15 +6884,7 @@
             </a:pPr>
             <a:r>
               <a:rPr/>
-              <a:t>Slide</a:t>
-            </a:r>
-            <a:r>
-              <a:rPr/>
-              <a:t> </a:t>
-            </a:r>
-            <a:r>
-              <a:rPr/>
-              <a:t>4</a:t>
+              <a:t>Slide 4</a:t>
             </a:r>
           </a:p>
         </p:txBody>
@@ -7151,15 +7055,7 @@
             </a:pPr>
             <a:r>
               <a:rPr/>
-              <a:t>Slide</a:t>
-            </a:r>
-            <a:r>
-              <a:rPr/>
-              <a:t> </a:t>
-            </a:r>
-            <a:r>
-              <a:rPr/>
-              <a:t>5</a:t>
+              <a:t>Slide 5</a:t>
             </a:r>
           </a:p>
         </p:txBody>

--- a/test/pptx/footer/basic/output.pptx
+++ b/test/pptx/footer/basic/output.pptx
@@ -520,75 +520,39 @@
             </a:pPr>
             <a:r>
               <a:rPr/>
-              <a:t>This</a:t>
+              <a:t>This </a:t>
             </a:r>
             <a:r>
               <a:rPr/>
-              <a:t> </a:t>
+              <a:t>is </a:t>
             </a:r>
             <a:r>
               <a:rPr/>
-              <a:t>is</a:t>
+              <a:t>a </a:t>
             </a:r>
             <a:r>
               <a:rPr/>
-              <a:t> </a:t>
+              <a:t>blank </a:t>
             </a:r>
             <a:r>
               <a:rPr/>
-              <a:t>a</a:t>
+              <a:t>slide: </a:t>
             </a:r>
             <a:r>
               <a:rPr/>
-              <a:t> </a:t>
+              <a:t>does </a:t>
             </a:r>
             <a:r>
               <a:rPr/>
-              <a:t>blank</a:t>
+              <a:t>it </a:t>
             </a:r>
             <a:r>
               <a:rPr/>
-              <a:t> </a:t>
+              <a:t>have </a:t>
             </a:r>
             <a:r>
               <a:rPr/>
-              <a:t>slide:</a:t>
-            </a:r>
-            <a:r>
-              <a:rPr/>
-              <a:t> </a:t>
-            </a:r>
-            <a:r>
-              <a:rPr/>
-              <a:t>does</a:t>
-            </a:r>
-            <a:r>
-              <a:rPr/>
-              <a:t> </a:t>
-            </a:r>
-            <a:r>
-              <a:rPr/>
-              <a:t>it</a:t>
-            </a:r>
-            <a:r>
-              <a:rPr/>
-              <a:t> </a:t>
-            </a:r>
-            <a:r>
-              <a:rPr/>
-              <a:t>have</a:t>
-            </a:r>
-            <a:r>
-              <a:rPr/>
-              <a:t> </a:t>
-            </a:r>
-            <a:r>
-              <a:rPr/>
-              <a:t>a</a:t>
-            </a:r>
-            <a:r>
-              <a:rPr/>
-              <a:t> </a:t>
+              <a:t>a </a:t>
             </a:r>
             <a:r>
               <a:rPr/>
@@ -6488,11 +6452,7 @@
             </a:pPr>
             <a:r>
               <a:rPr/>
-              <a:t>Slide</a:t>
-            </a:r>
-            <a:r>
-              <a:rPr/>
-              <a:t> </a:t>
+              <a:t>Slide </a:t>
             </a:r>
             <a:r>
               <a:rPr/>
@@ -6763,11 +6723,7 @@
             </a:pPr>
             <a:r>
               <a:rPr/>
-              <a:t>Slide</a:t>
-            </a:r>
-            <a:r>
-              <a:rPr/>
-              <a:t> </a:t>
+              <a:t>Slide </a:t>
             </a:r>
             <a:r>
               <a:rPr/>
@@ -6972,11 +6928,7 @@
             </a:pPr>
             <a:r>
               <a:rPr/>
-              <a:t>Slide</a:t>
-            </a:r>
-            <a:r>
-              <a:rPr/>
-              <a:t> </a:t>
+              <a:t>Slide </a:t>
             </a:r>
             <a:r>
               <a:rPr/>
@@ -7151,11 +7103,7 @@
             </a:pPr>
             <a:r>
               <a:rPr/>
-              <a:t>Slide</a:t>
-            </a:r>
-            <a:r>
-              <a:rPr/>
-              <a:t> </a:t>
+              <a:t>Slide </a:t>
             </a:r>
             <a:r>
               <a:rPr/>

--- a/test/pptx/footer/basic/output.pptx
+++ b/test/pptx/footer/basic/output.pptx
@@ -520,39 +520,75 @@
             </a:pPr>
             <a:r>
               <a:rPr/>
-              <a:t>This </a:t>
+              <a:t>This</a:t>
             </a:r>
             <a:r>
               <a:rPr/>
-              <a:t>is </a:t>
+              <a:t> </a:t>
             </a:r>
             <a:r>
               <a:rPr/>
-              <a:t>a </a:t>
+              <a:t>is</a:t>
             </a:r>
             <a:r>
               <a:rPr/>
-              <a:t>blank </a:t>
+              <a:t> </a:t>
             </a:r>
             <a:r>
               <a:rPr/>
-              <a:t>slide: </a:t>
+              <a:t>a</a:t>
             </a:r>
             <a:r>
               <a:rPr/>
-              <a:t>does </a:t>
+              <a:t> </a:t>
             </a:r>
             <a:r>
               <a:rPr/>
-              <a:t>it </a:t>
+              <a:t>blank</a:t>
             </a:r>
             <a:r>
               <a:rPr/>
-              <a:t>have </a:t>
+              <a:t> </a:t>
             </a:r>
             <a:r>
               <a:rPr/>
-              <a:t>a </a:t>
+              <a:t>slide:</a:t>
+            </a:r>
+            <a:r>
+              <a:rPr/>
+              <a:t> </a:t>
+            </a:r>
+            <a:r>
+              <a:rPr/>
+              <a:t>does</a:t>
+            </a:r>
+            <a:r>
+              <a:rPr/>
+              <a:t> </a:t>
+            </a:r>
+            <a:r>
+              <a:rPr/>
+              <a:t>it</a:t>
+            </a:r>
+            <a:r>
+              <a:rPr/>
+              <a:t> </a:t>
+            </a:r>
+            <a:r>
+              <a:rPr/>
+              <a:t>have</a:t>
+            </a:r>
+            <a:r>
+              <a:rPr/>
+              <a:t> </a:t>
+            </a:r>
+            <a:r>
+              <a:rPr/>
+              <a:t>a</a:t>
+            </a:r>
+            <a:r>
+              <a:rPr/>
+              <a:t> </a:t>
             </a:r>
             <a:r>
               <a:rPr/>
@@ -6452,7 +6488,11 @@
             </a:pPr>
             <a:r>
               <a:rPr/>
-              <a:t>Slide </a:t>
+              <a:t>Slide</a:t>
+            </a:r>
+            <a:r>
+              <a:rPr/>
+              <a:t> </a:t>
             </a:r>
             <a:r>
               <a:rPr/>
@@ -6723,7 +6763,11 @@
             </a:pPr>
             <a:r>
               <a:rPr/>
-              <a:t>Slide </a:t>
+              <a:t>Slide</a:t>
+            </a:r>
+            <a:r>
+              <a:rPr/>
+              <a:t> </a:t>
             </a:r>
             <a:r>
               <a:rPr/>
@@ -6928,7 +6972,11 @@
             </a:pPr>
             <a:r>
               <a:rPr/>
-              <a:t>Slide </a:t>
+              <a:t>Slide</a:t>
+            </a:r>
+            <a:r>
+              <a:rPr/>
+              <a:t> </a:t>
             </a:r>
             <a:r>
               <a:rPr/>
@@ -7103,7 +7151,11 @@
             </a:pPr>
             <a:r>
               <a:rPr/>
-              <a:t>Slide </a:t>
+              <a:t>Slide</a:t>
+            </a:r>
+            <a:r>
+              <a:rPr/>
+              <a:t> </a:t>
             </a:r>
             <a:r>
               <a:rPr/>

--- a/test/pptx/footer/basic/output.pptx
+++ b/test/pptx/footer/basic/output.pptx
@@ -515,7 +515,7 @@
           <a:bodyPr/>
           <a:lstStyle/>
           <a:p>
-            <a:pPr lvl="0" marL="0" indent="0">
+            <a:pPr lvl="0" indent="0" marL="0">
               <a:buNone/>
             </a:pPr>
             <a:r>
@@ -6262,7 +6262,7 @@
           <a:bodyPr/>
           <a:lstStyle/>
           <a:p>
-            <a:pPr lvl="0" marL="0" indent="0">
+            <a:pPr lvl="0" indent="0" marL="0">
               <a:buNone/>
             </a:pPr>
             <a:r>
@@ -6292,7 +6292,7 @@
           <a:bodyPr/>
           <a:lstStyle/>
           <a:p>
-            <a:pPr lvl="0" marL="0" indent="0">
+            <a:pPr lvl="0" indent="0" marL="0">
               <a:buNone/>
             </a:pPr>
             <a:br/>
@@ -6411,7 +6411,7 @@
           <a:bodyPr/>
           <a:lstStyle/>
           <a:p>
-            <a:pPr lvl="0" marL="0" indent="0">
+            <a:pPr lvl="0" indent="0" marL="0">
               <a:buNone/>
             </a:pPr>
             <a:r>
@@ -6436,7 +6436,7 @@
           <a:bodyPr/>
           <a:lstStyle/>
           <a:p>
-            <a:pPr lvl="0" marL="0" indent="0">
+            <a:pPr lvl="0" indent="0" marL="0">
               <a:buNone/>
             </a:pPr>
             <a:r>
@@ -6557,7 +6557,7 @@
           <a:bodyPr/>
           <a:lstStyle/>
           <a:p>
-            <a:pPr lvl="0" marL="0" indent="0">
+            <a:pPr lvl="0" indent="0" marL="0">
               <a:buNone/>
             </a:pPr>
             <a:r>
@@ -6678,7 +6678,7 @@
           <a:bodyPr/>
           <a:lstStyle/>
           <a:p>
-            <a:pPr lvl="0" marL="0" indent="0">
+            <a:pPr lvl="0" indent="0" marL="0">
               <a:buNone/>
             </a:pPr>
             <a:r>
@@ -6703,7 +6703,7 @@
           <a:bodyPr/>
           <a:lstStyle/>
           <a:p>
-            <a:pPr lvl="0" marL="0" indent="0">
+            <a:pPr lvl="0" indent="0" marL="0">
               <a:buNone/>
             </a:pPr>
             <a:r>
@@ -6743,7 +6743,7 @@
                     <a:bodyPr/>
                     <a:lstStyle/>
                     <a:p>
-                      <a:pPr lvl="0" marL="0" indent="0">
+                      <a:pPr lvl="0" indent="0" marL="0">
                         <a:buNone/>
                       </a:pPr>
                       <a:r>
@@ -6758,7 +6758,7 @@
                     <a:bodyPr/>
                     <a:lstStyle/>
                     <a:p>
-                      <a:pPr lvl="0" marL="0" indent="0">
+                      <a:pPr lvl="0" indent="0" marL="0">
                         <a:buNone/>
                       </a:pPr>
                       <a:r>
@@ -6879,7 +6879,7 @@
           <a:bodyPr/>
           <a:lstStyle/>
           <a:p>
-            <a:pPr lvl="0" marL="0" indent="0">
+            <a:pPr lvl="0" indent="0" marL="0">
               <a:buNone/>
             </a:pPr>
             <a:r>
@@ -6904,7 +6904,7 @@
           <a:bodyPr/>
           <a:lstStyle/>
           <a:p>
-            <a:pPr lvl="0" marL="0" indent="0">
+            <a:pPr lvl="0" indent="0" marL="0">
               <a:buNone/>
             </a:pPr>
             <a:r>
@@ -6929,7 +6929,7 @@
           <a:bodyPr/>
           <a:lstStyle/>
           <a:p>
-            <a:pPr lvl="0" marL="0" indent="0">
+            <a:pPr lvl="0" indent="0" marL="0">
               <a:buNone/>
             </a:pPr>
             <a:r>
@@ -7050,7 +7050,7 @@
           <a:bodyPr/>
           <a:lstStyle/>
           <a:p>
-            <a:pPr lvl="0" marL="0" indent="0">
+            <a:pPr lvl="0" indent="0" marL="0">
               <a:buNone/>
             </a:pPr>
             <a:r>
@@ -7075,7 +7075,7 @@
           <a:bodyPr/>
           <a:lstStyle/>
           <a:p>
-            <a:pPr lvl="0" marL="0" indent="0">
+            <a:pPr lvl="0" indent="0" marL="0">
               <a:buNone/>
             </a:pPr>
             <a:r>
@@ -7106,8 +7106,8 @@
                 <a:tableStyleId>{5C22544A-7EE6-4342-B048-85BDC9FD1C3A}</a:tableStyleId>
               </a:tblPr>
               <a:tblGrid>
-                <a:gridCol w="2501900"/>
-                <a:gridCol w="2501900"/>
+                <a:gridCol w="2514600"/>
+                <a:gridCol w="2514600"/>
               </a:tblGrid>
               <a:tr h="0">
                 <a:tc>
@@ -7115,7 +7115,7 @@
                     <a:bodyPr/>
                     <a:lstStyle/>
                     <a:p>
-                      <a:pPr lvl="0" marL="0" indent="0">
+                      <a:pPr lvl="0" indent="0" marL="0">
                         <a:buNone/>
                       </a:pPr>
                       <a:r>
@@ -7130,7 +7130,7 @@
                     <a:bodyPr/>
                     <a:lstStyle/>
                     <a:p>
-                      <a:pPr lvl="0" marL="0" indent="0">
+                      <a:pPr lvl="0" indent="0" marL="0">
                         <a:buNone/>
                       </a:pPr>
                       <a:r>
@@ -7160,7 +7160,7 @@
           <a:bodyPr/>
           <a:lstStyle/>
           <a:p>
-            <a:pPr lvl="0" marL="0" indent="0">
+            <a:pPr lvl="0" indent="0" marL="0">
               <a:buNone/>
             </a:pPr>
             <a:r>
@@ -7200,7 +7200,7 @@
                     <a:bodyPr/>
                     <a:lstStyle/>
                     <a:p>
-                      <a:pPr lvl="0" marL="0" indent="0">
+                      <a:pPr lvl="0" indent="0" marL="0">
                         <a:buNone/>
                       </a:pPr>
                       <a:r>
@@ -7215,7 +7215,7 @@
                     <a:bodyPr/>
                     <a:lstStyle/>
                     <a:p>
-                      <a:pPr lvl="0" marL="0" indent="0">
+                      <a:pPr lvl="0" indent="0" marL="0">
                         <a:buNone/>
                       </a:pPr>
                       <a:r>

--- a/test/pptx/footer/basic/output.pptx
+++ b/test/pptx/footer/basic/output.pptx
@@ -6658,45 +6658,45 @@
       </p:grpSpPr>
       <p:sp>
         <p:nvSpPr>
-          <p:cNvPr id="2" name="Title 1"/>
+          <p:cNvPr id="8" name="Title 1"/>
           <p:cNvSpPr>
             <a:spLocks noGrp="1"/>
           </p:cNvSpPr>
           <p:nvPr>
             <p:ph type="title"/>
+          </p:nvPr>
+        </p:nvSpPr>
+        <p:spPr/>
+        <p:txBody>
+          <a:bodyPr/>
+          <a:lstStyle/>
+          <a:p>
+            <a:pPr lvl="0" indent="0" marL="0">
+              <a:buNone/>
+            </a:pPr>
+            <a:r>
+              <a:rPr/>
+              <a:t>Slide 3</a:t>
+            </a:r>
+          </a:p>
+        </p:txBody>
+      </p:sp>
+      <p:sp>
+        <p:nvSpPr>
+          <p:cNvPr id="3" name="Content Placeholder 2"/>
+          <p:cNvSpPr>
+            <a:spLocks noGrp="1"/>
+          </p:cNvSpPr>
+          <p:nvPr>
+            <p:ph idx="1"/>
           </p:nvPr>
         </p:nvSpPr>
         <p:spPr>
           <a:xfrm>
-            <a:off x="839788" y="457200"/>
-            <a:ext cx="3932237" cy="1600200"/>
+            <a:off x="1117600" y="1816100"/>
+            <a:ext cx="10223500" cy="2044700"/>
           </a:xfrm>
         </p:spPr>
-        <p:txBody>
-          <a:bodyPr/>
-          <a:lstStyle/>
-          <a:p>
-            <a:pPr lvl="0" indent="0" marL="0">
-              <a:buNone/>
-            </a:pPr>
-            <a:r>
-              <a:rPr/>
-              <a:t>Slide 3</a:t>
-            </a:r>
-          </a:p>
-        </p:txBody>
-      </p:sp>
-      <p:sp>
-        <p:nvSpPr>
-          <p:cNvPr id="4" name="Text Placeholder 3"/>
-          <p:cNvSpPr>
-            <a:spLocks noGrp="1"/>
-          </p:cNvSpPr>
-          <p:nvPr>
-            <p:ph idx="2" sz="half" type="body"/>
-          </p:nvPr>
-        </p:nvSpPr>
-        <p:spPr/>
         <p:txBody>
           <a:bodyPr/>
           <a:lstStyle/>
@@ -6722,8 +6722,8 @@
           </p:nvPr>
         </p:nvGraphicFramePr>
         <p:xfrm>
-          <a:off x="5181600" y="977900"/>
-          <a:ext cx="6172200" cy="4864100"/>
+          <a:off x="1117600" y="3987800"/>
+          <a:ext cx="10223500" cy="2044700"/>
         </p:xfrm>
         <a:graphic>
           <a:graphicData uri="http://schemas.openxmlformats.org/drawingml/2006/table">
@@ -6732,8 +6732,8 @@
                 <a:tableStyleId>{5C22544A-7EE6-4342-B048-85BDC9FD1C3A}</a:tableStyleId>
               </a:tblPr>
               <a:tblGrid>
-                <a:gridCol w="3086100"/>
-                <a:gridCol w="3086100"/>
+                <a:gridCol w="5105400"/>
+                <a:gridCol w="5105400"/>
               </a:tblGrid>
               <a:tr h="0">
                 <a:tc>
@@ -6773,7 +6773,7 @@
       </p:graphicFrame>
       <p:sp>
         <p:nvSpPr>
-          <p:cNvPr id="5" name="Date Placeholder 4"/>
+          <p:cNvPr id="4" name="Date Placeholder 3"/>
           <p:cNvSpPr>
             <a:spLocks noGrp="1"/>
           </p:cNvSpPr>
@@ -6786,7 +6786,7 @@
           <a:bodyPr/>
           <a:lstStyle/>
           <a:p>
-            <a:fld id="{DE3A9163-F44C-F643-A7A4-436FE55BB777}" type="datetime1">
+            <a:fld id="{D16E54EF-28A8-0643-80A8-3D2E7C49A18F}" type="datetime1">
               <a:rPr lang="en-IE" smtClean="0"/>
               <a:t>14/09/1995</a:t>
             </a:fld>
@@ -6796,7 +6796,7 @@
       </p:sp>
       <p:sp>
         <p:nvSpPr>
-          <p:cNvPr id="6" name="Footer Placeholder 5"/>
+          <p:cNvPr id="5" name="Footer Placeholder 4"/>
           <p:cNvSpPr>
             <a:spLocks noGrp="1"/>
           </p:cNvSpPr>
@@ -6819,7 +6819,7 @@
       </p:sp>
       <p:sp>
         <p:nvSpPr>
-          <p:cNvPr id="7" name="Slide Number Placeholder 6"/>
+          <p:cNvPr id="6" name="Slide Number Placeholder 5"/>
           <p:cNvSpPr>
             <a:spLocks noGrp="1"/>
           </p:cNvSpPr>
